--- a/final.pptx
+++ b/final.pptx
@@ -26,8 +26,7 @@
     <p:sldId id="284" r:id="rId20"/>
     <p:sldId id="287" r:id="rId21"/>
     <p:sldId id="290" r:id="rId22"/>
-    <p:sldId id="291" r:id="rId23"/>
-    <p:sldId id="288" r:id="rId24"/>
+    <p:sldId id="288" r:id="rId23"/>
   </p:sldIdLst>
   <p:sldSz cx="9144000" cy="6858000" type="screen4x3"/>
   <p:notesSz cx="6858000" cy="9144000"/>
@@ -4653,14 +4652,22 @@
           <a:p>
             <a:r>
               <a:rPr lang="pl-PL" dirty="0" smtClean="0"/>
-              <a:t>GRIDLAB-D GUI</a:t>
+              <a:t>GRIDLAB-D </a:t>
+            </a:r>
+            <a:r>
+              <a:rPr lang="pl-PL" dirty="0" smtClean="0"/>
+              <a:t>GUI</a:t>
+            </a:r>
+            <a:r>
+              <a:rPr lang="pl-PL" dirty="0"/>
+              <a:t/>
             </a:r>
             <a:br>
+              <a:rPr lang="pl-PL" dirty="0"/>
+            </a:br>
+            <a:r>
               <a:rPr lang="pl-PL" dirty="0" smtClean="0"/>
-            </a:br>
-            <a:r>
-              <a:rPr lang="pl-PL" dirty="0" smtClean="0"/>
-              <a:t>PROTOTYP 2</a:t>
+              <a:t>WERSJA KOŃCOWA</a:t>
             </a:r>
             <a:endParaRPr lang="pl-PL" dirty="0"/>
           </a:p>
@@ -5073,7 +5080,15 @@
           <a:p>
             <a:r>
               <a:rPr lang="pl-PL" dirty="0" smtClean="0"/>
-              <a:t>Aby zapisać model należy wybrać z menu File opcję Save. Dokona to serializacji odpowiednich zmiennych i przygotuje plik.</a:t>
+              <a:t>Aby zapisać </a:t>
+            </a:r>
+            <a:r>
+              <a:rPr lang="pl-PL" dirty="0" smtClean="0"/>
+              <a:t>model, </a:t>
+            </a:r>
+            <a:r>
+              <a:rPr lang="pl-PL" dirty="0" smtClean="0"/>
+              <a:t>należy wybrać z menu File opcję Save. Dokona to serializacji odpowiednich zmiennych i przygotuje plik.</a:t>
             </a:r>
             <a:endParaRPr lang="pl-PL" dirty="0"/>
           </a:p>
@@ -5284,7 +5299,15 @@
           <a:p>
             <a:r>
               <a:rPr lang="pl-PL" dirty="0" smtClean="0"/>
-              <a:t>Aby wczytać model należy wybrać z menu File opcję Load. Dokona to deserializacji pliku i odtworzenia modelu.</a:t>
+              <a:t>Aby wczytać </a:t>
+            </a:r>
+            <a:r>
+              <a:rPr lang="pl-PL" dirty="0" smtClean="0"/>
+              <a:t>model, </a:t>
+            </a:r>
+            <a:r>
+              <a:rPr lang="pl-PL" dirty="0" smtClean="0"/>
+              <a:t>należy wybrać z menu File opcję Load. Dokona to deserializacji pliku i odtworzenia modelu.</a:t>
             </a:r>
             <a:endParaRPr lang="pl-PL" dirty="0"/>
           </a:p>
@@ -5306,8 +5329,16 @@
           <a:lstStyle/>
           <a:p>
             <a:r>
+              <a:rPr lang="pl-PL" dirty="0"/>
+              <a:t>W</a:t>
+            </a:r>
+            <a:r>
               <a:rPr lang="pl-PL" dirty="0" smtClean="0"/>
-              <a:t>Odczytanie modelu</a:t>
+              <a:t>czytanie </a:t>
+            </a:r>
+            <a:r>
+              <a:rPr lang="pl-PL" dirty="0" smtClean="0"/>
+              <a:t>modelu</a:t>
             </a:r>
             <a:endParaRPr lang="pl-PL" dirty="0"/>
           </a:p>
@@ -5502,8 +5533,12 @@
               <a:t>wyczyścić </a:t>
             </a:r>
             <a:r>
+              <a:rPr lang="pl-PL" dirty="0" smtClean="0"/>
+              <a:t>model, należy </a:t>
+            </a:r>
+            <a:r>
               <a:rPr lang="pl-PL" dirty="0"/>
-              <a:t>model należy wybrać z menu File opcję </a:t>
+              <a:t>wybrać z menu File opcję </a:t>
             </a:r>
             <a:r>
               <a:rPr lang="pl-PL" dirty="0" smtClean="0"/>
@@ -5666,7 +5701,23 @@
           <a:p>
             <a:r>
               <a:rPr lang="pl-PL" dirty="0" smtClean="0"/>
-              <a:t>Pojawi się okno, w którym wybieramy gdzie  i pod jaką nazwą ma zostać utworzony plik GLM.</a:t>
+              <a:t>Pojawi się okno, w którym wybieramy </a:t>
+            </a:r>
+            <a:r>
+              <a:rPr lang="pl-PL" dirty="0" smtClean="0"/>
+              <a:t>gdzie </a:t>
+            </a:r>
+            <a:r>
+              <a:rPr lang="pl-PL" dirty="0" smtClean="0"/>
+              <a:t>i pod jaką nazwą ma </a:t>
+            </a:r>
+            <a:r>
+              <a:rPr lang="pl-PL" dirty="0" smtClean="0"/>
+              <a:t>zostać zapisany plik </a:t>
+            </a:r>
+            <a:r>
+              <a:rPr lang="pl-PL" dirty="0" smtClean="0"/>
+              <a:t>GLM.</a:t>
             </a:r>
             <a:endParaRPr lang="pl-PL" dirty="0"/>
           </a:p>
@@ -5806,7 +5857,15 @@
           <a:p>
             <a:r>
               <a:rPr lang="pl-PL" dirty="0" smtClean="0"/>
-              <a:t>W oknie, które się pojawi wybieramy plik, który chcemy uruchomić w Gridlab-D.</a:t>
+              <a:t>W oknie, które się </a:t>
+            </a:r>
+            <a:r>
+              <a:rPr lang="pl-PL" dirty="0" smtClean="0"/>
+              <a:t>pojawi, </a:t>
+            </a:r>
+            <a:r>
+              <a:rPr lang="pl-PL" dirty="0" smtClean="0"/>
+              <a:t>wybieramy plik, który chcemy uruchomić w Gridlab-D.</a:t>
             </a:r>
             <a:endParaRPr lang="pl-PL" dirty="0"/>
           </a:p>
@@ -5930,7 +5989,19 @@
           <a:p>
             <a:r>
               <a:rPr lang="pl-PL" dirty="0" smtClean="0"/>
-              <a:t>Aby uruchomić aktualnie edytowany model w Gridlab-D, należy nacisnąć przycisk Start symulacji z paska menu.</a:t>
+              <a:t>Aby uruchomić aktualnie edytowany model w Gridlab-D, należy nacisnąć przycisk </a:t>
+            </a:r>
+            <a:r>
+              <a:rPr lang="pl-PL" smtClean="0"/>
+              <a:t>Start </a:t>
+            </a:r>
+            <a:r>
+              <a:rPr lang="pl-PL" smtClean="0"/>
+              <a:t>z </a:t>
+            </a:r>
+            <a:r>
+              <a:rPr lang="pl-PL" dirty="0" smtClean="0"/>
+              <a:t>paska menu.</a:t>
             </a:r>
             <a:endParaRPr lang="pl-PL" dirty="0"/>
           </a:p>
@@ -6363,13 +6434,8 @@
           <a:p>
             <a:r>
               <a:rPr lang="pl-PL" dirty="0" smtClean="0"/>
-              <a:t>Dokonuje się go przez przycisk </a:t>
-            </a:r>
-            <a:r>
-              <a:rPr lang="pl-PL" dirty="0" smtClean="0"/>
-              <a:t>Parent Connect</a:t>
-            </a:r>
-            <a:endParaRPr lang="pl-PL" dirty="0" smtClean="0"/>
+              <a:t>Dokonuje się go przez przycisk Parent Connect</a:t>
+            </a:r>
           </a:p>
           <a:p>
             <a:r>
@@ -6397,11 +6463,7 @@
           <a:p>
             <a:r>
               <a:rPr lang="pl-PL" dirty="0" smtClean="0"/>
-              <a:t>Łączenie </a:t>
-            </a:r>
-            <a:r>
-              <a:rPr lang="pl-PL" dirty="0" smtClean="0"/>
-              <a:t>obiektów przez Parent</a:t>
+              <a:t>Łączenie obiektów przez Parent</a:t>
             </a:r>
             <a:endParaRPr lang="pl-PL" dirty="0"/>
           </a:p>
@@ -6800,85 +6862,6 @@
       </p:grpSpPr>
       <p:sp>
         <p:nvSpPr>
-          <p:cNvPr id="2" name="Content Placeholder 1"/>
-          <p:cNvSpPr>
-            <a:spLocks noGrp="1"/>
-          </p:cNvSpPr>
-          <p:nvPr>
-            <p:ph idx="1"/>
-          </p:nvPr>
-        </p:nvSpPr>
-        <p:spPr/>
-        <p:txBody>
-          <a:bodyPr/>
-          <a:lstStyle/>
-          <a:p>
-            <a:endParaRPr lang="pl-PL"/>
-          </a:p>
-        </p:txBody>
-      </p:sp>
-      <p:sp>
-        <p:nvSpPr>
-          <p:cNvPr id="3" name="Title 2"/>
-          <p:cNvSpPr>
-            <a:spLocks noGrp="1"/>
-          </p:cNvSpPr>
-          <p:nvPr>
-            <p:ph type="title"/>
-          </p:nvPr>
-        </p:nvSpPr>
-        <p:spPr/>
-        <p:txBody>
-          <a:bodyPr/>
-          <a:lstStyle/>
-          <a:p>
-            <a:r>
-              <a:rPr lang="pl-PL" dirty="0" smtClean="0"/>
-              <a:t>Testy automatyczne</a:t>
-            </a:r>
-            <a:endParaRPr lang="pl-PL" dirty="0"/>
-          </a:p>
-        </p:txBody>
-      </p:sp>
-    </p:spTree>
-    <p:extLst>
-      <p:ext uri="{BB962C8B-B14F-4D97-AF65-F5344CB8AC3E}">
-        <p14:creationId xmlns:p14="http://schemas.microsoft.com/office/powerpoint/2010/main" val="1371649696"/>
-      </p:ext>
-    </p:extLst>
-  </p:cSld>
-  <p:clrMapOvr>
-    <a:masterClrMapping/>
-  </p:clrMapOvr>
-  <p:timing>
-    <p:tnLst>
-      <p:par>
-        <p:cTn id="1" dur="indefinite" restart="never" nodeType="tmRoot"/>
-      </p:par>
-    </p:tnLst>
-  </p:timing>
-</p:sld>
-</file>
-
-<file path=ppt/slides/slide23.xml><?xml version="1.0" encoding="utf-8"?>
-<p:sld xmlns:a="http://schemas.openxmlformats.org/drawingml/2006/main" xmlns:r="http://schemas.openxmlformats.org/officeDocument/2006/relationships" xmlns:p="http://schemas.openxmlformats.org/presentationml/2006/main">
-  <p:cSld>
-    <p:spTree>
-      <p:nvGrpSpPr>
-        <p:cNvPr id="1" name=""/>
-        <p:cNvGrpSpPr/>
-        <p:nvPr/>
-      </p:nvGrpSpPr>
-      <p:grpSpPr>
-        <a:xfrm>
-          <a:off x="0" y="0"/>
-          <a:ext cx="0" cy="0"/>
-          <a:chOff x="0" y="0"/>
-          <a:chExt cx="0" cy="0"/>
-        </a:xfrm>
-      </p:grpSpPr>
-      <p:sp>
-        <p:nvSpPr>
           <p:cNvPr id="3" name="Title 2"/>
           <p:cNvSpPr>
             <a:spLocks noGrp="1"/>
@@ -7088,13 +7071,8 @@
           <a:p>
             <a:r>
               <a:rPr lang="pl-PL" dirty="0" smtClean="0"/>
-              <a:t>Pozbawia konieczności korzystania z </a:t>
-            </a:r>
-            <a:r>
-              <a:rPr lang="pl-PL" dirty="0" smtClean="0"/>
-              <a:t>konsoli</a:t>
-            </a:r>
-            <a:endParaRPr lang="pl-PL" dirty="0" smtClean="0"/>
+              <a:t>Pozbawia konieczności korzystania z konsoli</a:t>
+            </a:r>
           </a:p>
         </p:txBody>
       </p:sp>
@@ -7241,21 +7219,13 @@
           <a:p>
             <a:r>
               <a:rPr lang="pl-PL" dirty="0" smtClean="0"/>
-              <a:t>Z </a:t>
-            </a:r>
+              <a:t>Z użyciem kodu źródłowego: kompilujemy klasę GridalbGUI.java</a:t>
+            </a:r>
+          </a:p>
+          <a:p>
             <a:r>
               <a:rPr lang="pl-PL" dirty="0" smtClean="0"/>
-              <a:t>użyciem kodu źródłowego: kompilujemy klasę GridalbGUI.java</a:t>
-            </a:r>
-          </a:p>
-          <a:p>
-            <a:r>
-              <a:rPr lang="pl-PL" dirty="0" smtClean="0"/>
-              <a:t>Deskopowo: uruchamiamy aplikację </a:t>
-            </a:r>
-            <a:r>
-              <a:rPr lang="pl-PL" dirty="0" smtClean="0"/>
-              <a:t>gridlabdGUI.jar</a:t>
+              <a:t>Deskopowo: uruchamiamy aplikację gridlabdGUI.jar</a:t>
             </a:r>
           </a:p>
           <a:p>
@@ -7263,7 +7233,6 @@
               <a:rPr lang="pl-PL" dirty="0" smtClean="0"/>
               <a:t>Upewnij się, że zainstalowałeś program Gridlab-D i możesz go uruchomić z konsoli cmd</a:t>
             </a:r>
-            <a:endParaRPr lang="pl-PL" dirty="0" smtClean="0"/>
           </a:p>
         </p:txBody>
       </p:sp>
